--- a/img/Archive/이미지생성용.pptx
+++ b/img/Archive/이미지생성용.pptx
@@ -243,7 +243,7 @@
           <a:p>
             <a:fld id="{9E51BA7B-0222-4C3E-873D-3D52E4D99D6F}" type="datetimeFigureOut">
               <a:rPr lang="ko-KR" altLang="en-US" smtClean="0"/>
-              <a:t>2022-01-06 Thu</a:t>
+              <a:t>2022-01-26 Wed</a:t>
             </a:fld>
             <a:endParaRPr lang="ko-KR" altLang="en-US"/>
           </a:p>
@@ -413,7 +413,7 @@
           <a:p>
             <a:fld id="{9E51BA7B-0222-4C3E-873D-3D52E4D99D6F}" type="datetimeFigureOut">
               <a:rPr lang="ko-KR" altLang="en-US" smtClean="0"/>
-              <a:t>2022-01-06 Thu</a:t>
+              <a:t>2022-01-26 Wed</a:t>
             </a:fld>
             <a:endParaRPr lang="ko-KR" altLang="en-US"/>
           </a:p>
@@ -593,7 +593,7 @@
           <a:p>
             <a:fld id="{9E51BA7B-0222-4C3E-873D-3D52E4D99D6F}" type="datetimeFigureOut">
               <a:rPr lang="ko-KR" altLang="en-US" smtClean="0"/>
-              <a:t>2022-01-06 Thu</a:t>
+              <a:t>2022-01-26 Wed</a:t>
             </a:fld>
             <a:endParaRPr lang="ko-KR" altLang="en-US"/>
           </a:p>
@@ -763,7 +763,7 @@
           <a:p>
             <a:fld id="{9E51BA7B-0222-4C3E-873D-3D52E4D99D6F}" type="datetimeFigureOut">
               <a:rPr lang="ko-KR" altLang="en-US" smtClean="0"/>
-              <a:t>2022-01-06 Thu</a:t>
+              <a:t>2022-01-26 Wed</a:t>
             </a:fld>
             <a:endParaRPr lang="ko-KR" altLang="en-US"/>
           </a:p>
@@ -1007,7 +1007,7 @@
           <a:p>
             <a:fld id="{9E51BA7B-0222-4C3E-873D-3D52E4D99D6F}" type="datetimeFigureOut">
               <a:rPr lang="ko-KR" altLang="en-US" smtClean="0"/>
-              <a:t>2022-01-06 Thu</a:t>
+              <a:t>2022-01-26 Wed</a:t>
             </a:fld>
             <a:endParaRPr lang="ko-KR" altLang="en-US"/>
           </a:p>
@@ -1239,7 +1239,7 @@
           <a:p>
             <a:fld id="{9E51BA7B-0222-4C3E-873D-3D52E4D99D6F}" type="datetimeFigureOut">
               <a:rPr lang="ko-KR" altLang="en-US" smtClean="0"/>
-              <a:t>2022-01-06 Thu</a:t>
+              <a:t>2022-01-26 Wed</a:t>
             </a:fld>
             <a:endParaRPr lang="ko-KR" altLang="en-US"/>
           </a:p>
@@ -1606,7 +1606,7 @@
           <a:p>
             <a:fld id="{9E51BA7B-0222-4C3E-873D-3D52E4D99D6F}" type="datetimeFigureOut">
               <a:rPr lang="ko-KR" altLang="en-US" smtClean="0"/>
-              <a:t>2022-01-06 Thu</a:t>
+              <a:t>2022-01-26 Wed</a:t>
             </a:fld>
             <a:endParaRPr lang="ko-KR" altLang="en-US"/>
           </a:p>
@@ -1724,7 +1724,7 @@
           <a:p>
             <a:fld id="{9E51BA7B-0222-4C3E-873D-3D52E4D99D6F}" type="datetimeFigureOut">
               <a:rPr lang="ko-KR" altLang="en-US" smtClean="0"/>
-              <a:t>2022-01-06 Thu</a:t>
+              <a:t>2022-01-26 Wed</a:t>
             </a:fld>
             <a:endParaRPr lang="ko-KR" altLang="en-US"/>
           </a:p>
@@ -1819,7 +1819,7 @@
           <a:p>
             <a:fld id="{9E51BA7B-0222-4C3E-873D-3D52E4D99D6F}" type="datetimeFigureOut">
               <a:rPr lang="ko-KR" altLang="en-US" smtClean="0"/>
-              <a:t>2022-01-06 Thu</a:t>
+              <a:t>2022-01-26 Wed</a:t>
             </a:fld>
             <a:endParaRPr lang="ko-KR" altLang="en-US"/>
           </a:p>
@@ -2096,7 +2096,7 @@
           <a:p>
             <a:fld id="{9E51BA7B-0222-4C3E-873D-3D52E4D99D6F}" type="datetimeFigureOut">
               <a:rPr lang="ko-KR" altLang="en-US" smtClean="0"/>
-              <a:t>2022-01-06 Thu</a:t>
+              <a:t>2022-01-26 Wed</a:t>
             </a:fld>
             <a:endParaRPr lang="ko-KR" altLang="en-US"/>
           </a:p>
@@ -2353,7 +2353,7 @@
           <a:p>
             <a:fld id="{9E51BA7B-0222-4C3E-873D-3D52E4D99D6F}" type="datetimeFigureOut">
               <a:rPr lang="ko-KR" altLang="en-US" smtClean="0"/>
-              <a:t>2022-01-06 Thu</a:t>
+              <a:t>2022-01-26 Wed</a:t>
             </a:fld>
             <a:endParaRPr lang="ko-KR" altLang="en-US"/>
           </a:p>
@@ -2566,7 +2566,7 @@
           <a:p>
             <a:fld id="{9E51BA7B-0222-4C3E-873D-3D52E4D99D6F}" type="datetimeFigureOut">
               <a:rPr lang="ko-KR" altLang="en-US" smtClean="0"/>
-              <a:t>2022-01-06 Thu</a:t>
+              <a:t>2022-01-26 Wed</a:t>
             </a:fld>
             <a:endParaRPr lang="ko-KR" altLang="en-US"/>
           </a:p>
@@ -3016,11 +3016,18 @@
           </a:p>
           <a:p>
             <a:r>
+              <a:rPr lang="en-US" altLang="ko-KR" sz="7200">
+                <a:latin typeface="Cooper Black" panose="0208090404030B020404" pitchFamily="18" charset="0"/>
+                <a:ea typeface="휴먼둥근헤드라인" panose="02030504000101010101" pitchFamily="18" charset="-127"/>
+              </a:rPr>
+              <a:t>KidsGao(</a:t>
+            </a:r>
+            <a:r>
               <a:rPr lang="en-US" altLang="ko-KR" sz="7200" dirty="0">
                 <a:latin typeface="Cooper Black" panose="0208090404030B020404" pitchFamily="18" charset="0"/>
                 <a:ea typeface="휴먼둥근헤드라인" panose="02030504000101010101" pitchFamily="18" charset="-127"/>
               </a:rPr>
-              <a:t>Portfolio</a:t>
+              <a:t>clone)</a:t>
             </a:r>
             <a:endParaRPr lang="ko-KR" altLang="en-US" sz="7200" dirty="0">
               <a:latin typeface="Cooper Black" panose="0208090404030B020404" pitchFamily="18" charset="0"/>
@@ -3070,10 +3077,10 @@
       </p:cxnSp>
       <p:pic>
         <p:nvPicPr>
-          <p:cNvPr id="3" name="그림 2">
+          <p:cNvPr id="6" name="그림 5">
             <a:extLst>
               <a:ext uri="{FF2B5EF4-FFF2-40B4-BE49-F238E27FC236}">
-                <a16:creationId xmlns:a16="http://schemas.microsoft.com/office/drawing/2014/main" id="{83EC76F9-12F2-43ED-8161-181F71C11655}"/>
+                <a16:creationId xmlns:a16="http://schemas.microsoft.com/office/drawing/2014/main" id="{9E772C38-0237-464E-B354-5DF9217AB050}"/>
               </a:ext>
             </a:extLst>
           </p:cNvPr>
@@ -3096,8 +3103,8 @@
         </p:blipFill>
         <p:spPr>
           <a:xfrm>
-            <a:off x="0" y="4621521"/>
-            <a:ext cx="9525000" cy="5357812"/>
+            <a:off x="1219995" y="4161261"/>
+            <a:ext cx="7408249" cy="4172335"/>
           </a:xfrm>
           <a:prstGeom prst="rect">
             <a:avLst/>
